--- a/Slides/Lecture06.5 Gilded Rose.pptx
+++ b/Slides/Lecture06.5 Gilded Rose.pptx
@@ -272,7 +272,7 @@
               <a:rPr lang="en-US" smtClean="0">
                 <a:latin typeface="Segoe UI" pitchFamily="34" charset="0"/>
               </a:rPr>
-              <a:t>10/8/2019 8:55 PM</a:t>
+              <a:t>10/9/2019 7:59 PM</a:t>
             </a:fld>
             <a:endParaRPr lang="en-US" dirty="0">
               <a:latin typeface="Segoe UI" pitchFamily="34" charset="0"/>
@@ -550,7 +550,7 @@
           <a:p>
             <a:fld id="{386CE63F-9E7F-4C04-9D0D-FCA25A8E9E86}" type="datetime8">
               <a:rPr lang="en-US" smtClean="0"/>
-              <a:t>10/8/2019 8:54 PM</a:t>
+              <a:t>10/9/2019 7:59 PM</a:t>
             </a:fld>
             <a:endParaRPr lang="en-US" dirty="0"/>
           </a:p>
@@ -917,7 +917,7 @@
           <a:p>
             <a:fld id="{321E5A7B-BB8D-4368-A182-109669521632}" type="datetime8">
               <a:rPr lang="en-US" smtClean="0"/>
-              <a:t>10/8/2019 8:54 PM</a:t>
+              <a:t>10/9/2019 7:59 PM</a:t>
             </a:fld>
             <a:endParaRPr lang="en-US" dirty="0"/>
           </a:p>
@@ -20556,11 +20556,15 @@
           <a:p>
             <a:r>
               <a:rPr lang="en-US" dirty="0"/>
-              <a:t>dotnet add </a:t>
+              <a:t>dotnet </a:t>
+            </a:r>
+            <a:r>
+              <a:rPr lang="en-US"/>
+              <a:t>add package coverlet</a:t>
             </a:r>
             <a:r>
               <a:rPr lang="en-US" dirty="0" err="1"/>
-              <a:t>coverlet.msbuild</a:t>
+              <a:t>.msbuild</a:t>
             </a:r>
             <a:endParaRPr lang="en-US" dirty="0"/>
           </a:p>
@@ -21970,11 +21974,12 @@
 </file>
 
 <file path=customXml/item1.xml><?xml version="1.0" encoding="utf-8"?>
-<p:properties xmlns:p="http://schemas.microsoft.com/office/2006/metadata/properties" xmlns:xsi="http://www.w3.org/2001/XMLSchema-instance" xmlns:pc="http://schemas.microsoft.com/office/infopath/2007/PartnerControls">
-  <documentManagement>
-    <MediaServiceKeyPoints xmlns="965de625-df5b-42e9-a277-2113da4f1195" xsi:nil="true"/>
-  </documentManagement>
-</p:properties>
+<?mso-contentType ?>
+<FormTemplates xmlns="http://schemas.microsoft.com/sharepoint/v3/contenttype/forms">
+  <Display>DocumentLibraryForm</Display>
+  <Edit>DocumentLibraryForm</Edit>
+  <New>DocumentLibraryForm</New>
+</FormTemplates>
 </file>
 
 <file path=customXml/item2.xml><?xml version="1.0" encoding="utf-8"?>
@@ -22209,29 +22214,17 @@
 </file>
 
 <file path=customXml/item3.xml><?xml version="1.0" encoding="utf-8"?>
-<?mso-contentType ?>
-<FormTemplates xmlns="http://schemas.microsoft.com/sharepoint/v3/contenttype/forms">
-  <Display>DocumentLibraryForm</Display>
-  <Edit>DocumentLibraryForm</Edit>
-  <New>DocumentLibraryForm</New>
-</FormTemplates>
+<p:properties xmlns:p="http://schemas.microsoft.com/office/2006/metadata/properties" xmlns:xsi="http://www.w3.org/2001/XMLSchema-instance" xmlns:pc="http://schemas.microsoft.com/office/infopath/2007/PartnerControls">
+  <documentManagement>
+    <MediaServiceKeyPoints xmlns="965de625-df5b-42e9-a277-2113da4f1195" xsi:nil="true"/>
+  </documentManagement>
+</p:properties>
 </file>
 
 <file path=customXml/itemProps1.xml><?xml version="1.0" encoding="utf-8"?>
-<ds:datastoreItem xmlns:ds="http://schemas.openxmlformats.org/officeDocument/2006/customXml" ds:itemID="{F990F116-B58F-4255-B05B-DA3808E0E5C6}">
+<ds:datastoreItem xmlns:ds="http://schemas.openxmlformats.org/officeDocument/2006/customXml" ds:itemID="{758FDAC0-319D-4A54-8D8E-1D42CB1F8004}">
   <ds:schemaRefs>
-    <ds:schemaRef ds:uri="http://purl.org/dc/elements/1.1/"/>
-    <ds:schemaRef ds:uri="http://schemas.microsoft.com/office/2006/metadata/properties"/>
-    <ds:schemaRef ds:uri="e4aa919a-b200-49cb-beca-4c7e0810321e"/>
-    <ds:schemaRef ds:uri="06670dda-0291-4061-b6e0-f6c0cb392c51"/>
-    <ds:schemaRef ds:uri="http://schemas.microsoft.com/office/2006/documentManagement/types"/>
-    <ds:schemaRef ds:uri="http://schemas.microsoft.com/office/infopath/2007/PartnerControls"/>
-    <ds:schemaRef ds:uri="http://purl.org/dc/dcmitype/"/>
-    <ds:schemaRef ds:uri="http://schemas.microsoft.com/sharepoint/v3"/>
-    <ds:schemaRef ds:uri="http://schemas.openxmlformats.org/package/2006/metadata/core-properties"/>
-    <ds:schemaRef ds:uri="http://www.w3.org/XML/1998/namespace"/>
-    <ds:schemaRef ds:uri="http://purl.org/dc/terms/"/>
-    <ds:schemaRef ds:uri="965de625-df5b-42e9-a277-2113da4f1195"/>
+    <ds:schemaRef ds:uri="http://schemas.microsoft.com/sharepoint/v3/contenttype/forms"/>
   </ds:schemaRefs>
 </ds:datastoreItem>
 </file>
@@ -22256,9 +22249,20 @@
 </file>
 
 <file path=customXml/itemProps3.xml><?xml version="1.0" encoding="utf-8"?>
-<ds:datastoreItem xmlns:ds="http://schemas.openxmlformats.org/officeDocument/2006/customXml" ds:itemID="{758FDAC0-319D-4A54-8D8E-1D42CB1F8004}">
+<ds:datastoreItem xmlns:ds="http://schemas.openxmlformats.org/officeDocument/2006/customXml" ds:itemID="{F990F116-B58F-4255-B05B-DA3808E0E5C6}">
   <ds:schemaRefs>
-    <ds:schemaRef ds:uri="http://schemas.microsoft.com/sharepoint/v3/contenttype/forms"/>
+    <ds:schemaRef ds:uri="http://purl.org/dc/elements/1.1/"/>
+    <ds:schemaRef ds:uri="http://schemas.microsoft.com/office/2006/metadata/properties"/>
+    <ds:schemaRef ds:uri="e4aa919a-b200-49cb-beca-4c7e0810321e"/>
+    <ds:schemaRef ds:uri="06670dda-0291-4061-b6e0-f6c0cb392c51"/>
+    <ds:schemaRef ds:uri="http://schemas.microsoft.com/office/2006/documentManagement/types"/>
+    <ds:schemaRef ds:uri="http://schemas.microsoft.com/office/infopath/2007/PartnerControls"/>
+    <ds:schemaRef ds:uri="http://purl.org/dc/dcmitype/"/>
+    <ds:schemaRef ds:uri="http://schemas.microsoft.com/sharepoint/v3"/>
+    <ds:schemaRef ds:uri="http://schemas.openxmlformats.org/package/2006/metadata/core-properties"/>
+    <ds:schemaRef ds:uri="http://www.w3.org/XML/1998/namespace"/>
+    <ds:schemaRef ds:uri="http://purl.org/dc/terms/"/>
+    <ds:schemaRef ds:uri="965de625-df5b-42e9-a277-2113da4f1195"/>
   </ds:schemaRefs>
 </ds:datastoreItem>
 </file>
--- a/Slides/Lecture06.5 Gilded Rose.pptx
+++ b/Slides/Lecture06.5 Gilded Rose.pptx
@@ -6,10 +6,10 @@
     <p:sldMasterId id="2147484675" r:id="rId5"/>
   </p:sldMasterIdLst>
   <p:notesMasterIdLst>
-    <p:notesMasterId r:id="rId15"/>
+    <p:notesMasterId r:id="rId16"/>
   </p:notesMasterIdLst>
   <p:handoutMasterIdLst>
-    <p:handoutMasterId r:id="rId16"/>
+    <p:handoutMasterId r:id="rId17"/>
   </p:handoutMasterIdLst>
   <p:sldIdLst>
     <p:sldId id="1663" r:id="rId6"/>
@@ -20,7 +20,8 @@
     <p:sldId id="1669" r:id="rId11"/>
     <p:sldId id="1668" r:id="rId12"/>
     <p:sldId id="1670" r:id="rId13"/>
-    <p:sldId id="1665" r:id="rId14"/>
+    <p:sldId id="1672" r:id="rId14"/>
+    <p:sldId id="1665" r:id="rId15"/>
   </p:sldIdLst>
   <p:sldSz cx="12192000" cy="6858000"/>
   <p:notesSz cx="6858000" cy="9144000"/>
@@ -132,6 +133,7 @@
             <p14:sldId id="1669"/>
             <p14:sldId id="1668"/>
             <p14:sldId id="1670"/>
+            <p14:sldId id="1672"/>
             <p14:sldId id="1665"/>
           </p14:sldIdLst>
         </p14:section>
@@ -272,7 +274,7 @@
               <a:rPr lang="en-US" smtClean="0">
                 <a:latin typeface="Segoe UI" pitchFamily="34" charset="0"/>
               </a:rPr>
-              <a:t>10/9/2019 7:59 PM</a:t>
+              <a:t>10/25/2019 9:06 AM</a:t>
             </a:fld>
             <a:endParaRPr lang="en-US" dirty="0">
               <a:latin typeface="Segoe UI" pitchFamily="34" charset="0"/>
@@ -550,7 +552,7 @@
           <a:p>
             <a:fld id="{386CE63F-9E7F-4C04-9D0D-FCA25A8E9E86}" type="datetime8">
               <a:rPr lang="en-US" smtClean="0"/>
-              <a:t>10/9/2019 7:59 PM</a:t>
+              <a:t>10/25/2019 9:02 AM</a:t>
             </a:fld>
             <a:endParaRPr lang="en-US" dirty="0"/>
           </a:p>
@@ -917,7 +919,7 @@
           <a:p>
             <a:fld id="{321E5A7B-BB8D-4368-A182-109669521632}" type="datetime8">
               <a:rPr lang="en-US" smtClean="0"/>
-              <a:t>10/9/2019 7:59 PM</a:t>
+              <a:t>10/25/2019 9:02 AM</a:t>
             </a:fld>
             <a:endParaRPr lang="en-US" dirty="0"/>
           </a:p>
@@ -19479,6 +19481,191 @@
 </p:sld>
 </file>
 
+<file path=ppt/slides/slide10.xml><?xml version="1.0" encoding="utf-8"?>
+<p:sld xmlns:a="http://schemas.openxmlformats.org/drawingml/2006/main" xmlns:r="http://schemas.openxmlformats.org/officeDocument/2006/relationships" xmlns:p="http://schemas.openxmlformats.org/presentationml/2006/main">
+  <p:cSld>
+    <p:spTree>
+      <p:nvGrpSpPr>
+        <p:cNvPr id="1" name=""/>
+        <p:cNvGrpSpPr/>
+        <p:nvPr/>
+      </p:nvGrpSpPr>
+      <p:grpSpPr>
+        <a:xfrm>
+          <a:off x="0" y="0"/>
+          <a:ext cx="0" cy="0"/>
+          <a:chOff x="0" y="0"/>
+          <a:chExt cx="0" cy="0"/>
+        </a:xfrm>
+      </p:grpSpPr>
+      <p:sp>
+        <p:nvSpPr>
+          <p:cNvPr id="2" name="Title 1">
+            <a:extLst>
+              <a:ext uri="{FF2B5EF4-FFF2-40B4-BE49-F238E27FC236}">
+                <a16:creationId xmlns:a16="http://schemas.microsoft.com/office/drawing/2014/main" id="{71055A53-C35D-4E58-BD9D-522482C11229}"/>
+              </a:ext>
+            </a:extLst>
+          </p:cNvPr>
+          <p:cNvSpPr>
+            <a:spLocks noGrp="1"/>
+          </p:cNvSpPr>
+          <p:nvPr>
+            <p:ph type="title"/>
+          </p:nvPr>
+        </p:nvSpPr>
+        <p:spPr/>
+        <p:txBody>
+          <a:bodyPr/>
+          <a:lstStyle/>
+          <a:p>
+            <a:r>
+              <a:rPr lang="en-US" dirty="0"/>
+              <a:t>Resources</a:t>
+            </a:r>
+          </a:p>
+        </p:txBody>
+      </p:sp>
+      <p:sp>
+        <p:nvSpPr>
+          <p:cNvPr id="3" name="Text Placeholder 2">
+            <a:extLst>
+              <a:ext uri="{FF2B5EF4-FFF2-40B4-BE49-F238E27FC236}">
+                <a16:creationId xmlns:a16="http://schemas.microsoft.com/office/drawing/2014/main" id="{A2164C45-13E4-466E-B4AC-6C00D55A0EE8}"/>
+              </a:ext>
+            </a:extLst>
+          </p:cNvPr>
+          <p:cNvSpPr>
+            <a:spLocks noGrp="1"/>
+          </p:cNvSpPr>
+          <p:nvPr>
+            <p:ph type="body" sz="quarter" idx="10"/>
+          </p:nvPr>
+        </p:nvSpPr>
+        <p:spPr>
+          <a:xfrm>
+            <a:off x="586390" y="1434370"/>
+            <a:ext cx="11018520" cy="4744376"/>
+          </a:xfrm>
+        </p:spPr>
+        <p:txBody>
+          <a:bodyPr/>
+          <a:lstStyle/>
+          <a:p>
+            <a:pPr>
+              <a:spcAft>
+                <a:spcPts val="2688"/>
+              </a:spcAft>
+            </a:pPr>
+            <a:r>
+              <a:rPr lang="en-US" dirty="0"/>
+              <a:t>Martin Fowler on Refactoring: </a:t>
+            </a:r>
+            <a:r>
+              <a:rPr lang="en-US" dirty="0">
+                <a:hlinkClick r:id="rId2"/>
+              </a:rPr>
+              <a:t>https://martinfowler.com/articles/preparatory-refactoring-example.html</a:t>
+            </a:r>
+            <a:r>
+              <a:rPr lang="en-US" dirty="0"/>
+              <a:t> </a:t>
+            </a:r>
+          </a:p>
+          <a:p>
+            <a:pPr>
+              <a:spcAft>
+                <a:spcPts val="2688"/>
+              </a:spcAft>
+            </a:pPr>
+            <a:r>
+              <a:rPr lang="en-US" dirty="0"/>
+              <a:t>Sandy Metz on solving the </a:t>
+            </a:r>
+            <a:r>
+              <a:rPr lang="en-US" dirty="0" err="1"/>
+              <a:t>Guilded</a:t>
+            </a:r>
+            <a:r>
+              <a:rPr lang="en-US" dirty="0"/>
+              <a:t> Rose in Ruby: </a:t>
+            </a:r>
+            <a:r>
+              <a:rPr lang="en-US" dirty="0">
+                <a:hlinkClick r:id="rId3"/>
+              </a:rPr>
+              <a:t>https://youtu.be/8bZh5LMaSmE</a:t>
+            </a:r>
+            <a:r>
+              <a:rPr lang="en-US" dirty="0"/>
+              <a:t> </a:t>
+            </a:r>
+          </a:p>
+          <a:p>
+            <a:pPr>
+              <a:spcAft>
+                <a:spcPts val="2688"/>
+              </a:spcAft>
+            </a:pPr>
+            <a:r>
+              <a:rPr lang="en-US" dirty="0"/>
+              <a:t>The original </a:t>
+            </a:r>
+            <a:r>
+              <a:rPr lang="en-US" dirty="0" err="1"/>
+              <a:t>Guilded</a:t>
+            </a:r>
+            <a:r>
+              <a:rPr lang="en-US" dirty="0"/>
+              <a:t> Rose by Terry Hughes and Bobby Johnson: </a:t>
+            </a:r>
+            <a:r>
+              <a:rPr lang="en-US" dirty="0">
+                <a:hlinkClick r:id="rId4"/>
+              </a:rPr>
+              <a:t>https://github.com/NotMyself/GildedRose</a:t>
+            </a:r>
+            <a:r>
+              <a:rPr lang="en-US" dirty="0"/>
+              <a:t> </a:t>
+            </a:r>
+          </a:p>
+          <a:p>
+            <a:pPr>
+              <a:spcAft>
+                <a:spcPts val="2688"/>
+              </a:spcAft>
+            </a:pPr>
+            <a:r>
+              <a:rPr lang="en-US" dirty="0"/>
+              <a:t>More katas: </a:t>
+            </a:r>
+            <a:r>
+              <a:rPr lang="en-US" dirty="0">
+                <a:hlinkClick r:id="rId5"/>
+              </a:rPr>
+              <a:t>https://kata-log.rocks/</a:t>
+            </a:r>
+            <a:endParaRPr lang="en-US" dirty="0"/>
+          </a:p>
+        </p:txBody>
+      </p:sp>
+    </p:spTree>
+    <p:extLst>
+      <p:ext uri="{BB962C8B-B14F-4D97-AF65-F5344CB8AC3E}">
+        <p14:creationId xmlns:p14="http://schemas.microsoft.com/office/powerpoint/2010/main" val="1393262829"/>
+      </p:ext>
+    </p:extLst>
+  </p:cSld>
+  <p:clrMapOvr>
+    <a:masterClrMapping/>
+  </p:clrMapOvr>
+  <p:transition>
+    <p:fade/>
+  </p:transition>
+</p:sld>
+</file>
+
 <file path=ppt/slides/slide2.xml><?xml version="1.0" encoding="utf-8"?>
 <p:sld xmlns:a="http://schemas.openxmlformats.org/drawingml/2006/main" xmlns:r="http://schemas.openxmlformats.org/officeDocument/2006/relationships" xmlns:p="http://schemas.openxmlformats.org/presentationml/2006/main">
   <p:cSld>
@@ -20556,15 +20743,11 @@
           <a:p>
             <a:r>
               <a:rPr lang="en-US" dirty="0"/>
-              <a:t>dotnet </a:t>
-            </a:r>
-            <a:r>
-              <a:rPr lang="en-US"/>
-              <a:t>add package coverlet</a:t>
+              <a:t>dotnet add package </a:t>
             </a:r>
             <a:r>
               <a:rPr lang="en-US" dirty="0" err="1"/>
-              <a:t>.msbuild</a:t>
+              <a:t>coverlet.msbuild</a:t>
             </a:r>
             <a:endParaRPr lang="en-US" dirty="0"/>
           </a:p>
@@ -20658,7 +20841,7 @@
           <p:cNvPr id="2" name="Title 1">
             <a:extLst>
               <a:ext uri="{FF2B5EF4-FFF2-40B4-BE49-F238E27FC236}">
-                <a16:creationId xmlns:a16="http://schemas.microsoft.com/office/drawing/2014/main" id="{71055A53-C35D-4E58-BD9D-522482C11229}"/>
+                <a16:creationId xmlns:a16="http://schemas.microsoft.com/office/drawing/2014/main" id="{B46E7DBE-77FD-4CA1-A3B3-E784B2A8CC6C}"/>
               </a:ext>
             </a:extLst>
           </p:cNvPr>
@@ -20676,7 +20859,7 @@
           <a:p>
             <a:r>
               <a:rPr lang="en-US" dirty="0"/>
-              <a:t>Resources</a:t>
+              <a:t>.NET Watcher</a:t>
             </a:r>
           </a:p>
         </p:txBody>
@@ -20686,7 +20869,7 @@
           <p:cNvPr id="3" name="Text Placeholder 2">
             <a:extLst>
               <a:ext uri="{FF2B5EF4-FFF2-40B4-BE49-F238E27FC236}">
-                <a16:creationId xmlns:a16="http://schemas.microsoft.com/office/drawing/2014/main" id="{A2164C45-13E4-466E-B4AC-6C00D55A0EE8}"/>
+                <a16:creationId xmlns:a16="http://schemas.microsoft.com/office/drawing/2014/main" id="{6CD141C0-5336-4220-A5FA-769A9A5752C3}"/>
               </a:ext>
             </a:extLst>
           </p:cNvPr>
@@ -20699,108 +20882,277 @@
         </p:nvSpPr>
         <p:spPr>
           <a:xfrm>
-            <a:off x="586390" y="1434370"/>
-            <a:ext cx="11018520" cy="4744376"/>
+            <a:off x="588263" y="1436688"/>
+            <a:ext cx="11018520" cy="430887"/>
           </a:xfrm>
         </p:spPr>
         <p:txBody>
           <a:bodyPr/>
           <a:lstStyle/>
           <a:p>
-            <a:pPr>
+            <a:r>
+              <a:rPr lang="en-US" dirty="0"/>
+              <a:t>From the tests folder:</a:t>
+            </a:r>
+          </a:p>
+        </p:txBody>
+      </p:sp>
+      <p:sp>
+        <p:nvSpPr>
+          <p:cNvPr id="4" name="Text Placeholder 2">
+            <a:extLst>
+              <a:ext uri="{FF2B5EF4-FFF2-40B4-BE49-F238E27FC236}">
+                <a16:creationId xmlns:a16="http://schemas.microsoft.com/office/drawing/2014/main" id="{55D1D149-9F17-4BA5-81DD-E57287367BDD}"/>
+              </a:ext>
+            </a:extLst>
+          </p:cNvPr>
+          <p:cNvSpPr txBox="1">
+            <a:spLocks/>
+          </p:cNvSpPr>
+          <p:nvPr/>
+        </p:nvSpPr>
+        <p:spPr>
+          <a:xfrm>
+            <a:off x="586740" y="2384640"/>
+            <a:ext cx="11018520" cy="947952"/>
+          </a:xfrm>
+          <a:prstGeom prst="rect">
+            <a:avLst/>
+          </a:prstGeom>
+        </p:spPr>
+        <p:txBody>
+          <a:bodyPr vert="horz" wrap="square" lIns="0" tIns="0" rIns="0" bIns="0" rtlCol="0">
+            <a:spAutoFit/>
+          </a:bodyPr>
+          <a:lstStyle>
+            <a:lvl1pPr marL="0" marR="0" indent="0" algn="l" defTabSz="932742" rtl="0" eaLnBrk="1" fontAlgn="auto" latinLnBrk="0" hangingPunct="1">
+              <a:lnSpc>
+                <a:spcPct val="100000"/>
+              </a:lnSpc>
+              <a:spcBef>
+                <a:spcPct val="20000"/>
+              </a:spcBef>
               <a:spcAft>
-                <a:spcPts val="2688"/>
+                <a:spcPts val="0"/>
               </a:spcAft>
-            </a:pPr>
-            <a:r>
-              <a:rPr lang="en-US" dirty="0"/>
-              <a:t>Martin Fowler on Refactoring: </a:t>
-            </a:r>
-            <a:r>
-              <a:rPr lang="en-US" dirty="0">
-                <a:hlinkClick r:id="rId2"/>
-              </a:rPr>
-              <a:t>https://martinfowler.com/articles/preparatory-refactoring-example.html</a:t>
-            </a:r>
-            <a:r>
-              <a:rPr lang="en-US" dirty="0"/>
-              <a:t> </a:t>
-            </a:r>
-          </a:p>
-          <a:p>
-            <a:pPr>
+              <a:buClrTx/>
+              <a:buSzPct val="90000"/>
+              <a:buFont typeface="Wingdings" panose="05000000000000000000" pitchFamily="2" charset="2"/>
+              <a:buNone/>
+              <a:tabLst/>
+              <a:defRPr sz="2800" kern="1200" spc="0" baseline="0">
+                <a:gradFill>
+                  <a:gsLst>
+                    <a:gs pos="61049">
+                      <a:schemeClr val="tx1"/>
+                    </a:gs>
+                    <a:gs pos="43000">
+                      <a:schemeClr val="tx1"/>
+                    </a:gs>
+                  </a:gsLst>
+                  <a:lin ang="5400000" scaled="0"/>
+                </a:gradFill>
+                <a:latin typeface="Consolas" panose="020B0609020204030204" pitchFamily="49" charset="0"/>
+                <a:ea typeface="+mn-ea"/>
+                <a:cs typeface="Consolas" panose="020B0609020204030204" pitchFamily="49" charset="0"/>
+              </a:defRPr>
+            </a:lvl1pPr>
+            <a:lvl2pPr marL="346553" marR="0" indent="0" algn="l" defTabSz="932742" rtl="0" eaLnBrk="1" fontAlgn="auto" latinLnBrk="0" hangingPunct="1">
+              <a:lnSpc>
+                <a:spcPct val="100000"/>
+              </a:lnSpc>
+              <a:spcBef>
+                <a:spcPct val="20000"/>
+              </a:spcBef>
               <a:spcAft>
-                <a:spcPts val="2688"/>
+                <a:spcPts val="0"/>
               </a:spcAft>
-            </a:pPr>
-            <a:r>
-              <a:rPr lang="en-US" dirty="0"/>
-              <a:t>Sandy Metz on solving the </a:t>
-            </a:r>
-            <a:r>
-              <a:rPr lang="en-US" dirty="0" err="1"/>
-              <a:t>Guilded</a:t>
-            </a:r>
-            <a:r>
-              <a:rPr lang="en-US" dirty="0"/>
-              <a:t> Rose in Ruby: </a:t>
-            </a:r>
-            <a:r>
-              <a:rPr lang="en-US" dirty="0">
-                <a:hlinkClick r:id="rId3"/>
-              </a:rPr>
-              <a:t>https://youtu.be/8bZh5LMaSmE</a:t>
-            </a:r>
-            <a:r>
-              <a:rPr lang="en-US" dirty="0"/>
-              <a:t> </a:t>
-            </a:r>
-          </a:p>
-          <a:p>
-            <a:pPr>
+              <a:buClrTx/>
+              <a:buSzPct val="90000"/>
+              <a:buFont typeface="Wingdings" panose="05000000000000000000" pitchFamily="2" charset="2"/>
+              <a:buNone/>
+              <a:tabLst/>
+              <a:defRPr sz="2400" kern="1200" spc="0" baseline="0">
+                <a:gradFill>
+                  <a:gsLst>
+                    <a:gs pos="61049">
+                      <a:schemeClr val="tx1"/>
+                    </a:gs>
+                    <a:gs pos="43000">
+                      <a:schemeClr val="tx1"/>
+                    </a:gs>
+                  </a:gsLst>
+                  <a:lin ang="5400000" scaled="0"/>
+                </a:gradFill>
+                <a:latin typeface="Consolas" panose="020B0609020204030204" pitchFamily="49" charset="0"/>
+                <a:ea typeface="+mn-ea"/>
+                <a:cs typeface="Consolas" panose="020B0609020204030204" pitchFamily="49" charset="0"/>
+              </a:defRPr>
+            </a:lvl2pPr>
+            <a:lvl3pPr marL="584607" marR="0" indent="0" algn="l" defTabSz="932742" rtl="0" eaLnBrk="1" fontAlgn="auto" latinLnBrk="0" hangingPunct="1">
+              <a:lnSpc>
+                <a:spcPct val="100000"/>
+              </a:lnSpc>
+              <a:spcBef>
+                <a:spcPct val="20000"/>
+              </a:spcBef>
               <a:spcAft>
-                <a:spcPts val="2688"/>
+                <a:spcPts val="0"/>
               </a:spcAft>
-            </a:pPr>
-            <a:r>
-              <a:rPr lang="en-US" dirty="0"/>
-              <a:t>The original </a:t>
-            </a:r>
-            <a:r>
-              <a:rPr lang="en-US" dirty="0" err="1"/>
-              <a:t>Guilded</a:t>
-            </a:r>
-            <a:r>
-              <a:rPr lang="en-US" dirty="0"/>
-              <a:t> Rose by Terry Hughes and Bobby Johnson: </a:t>
-            </a:r>
-            <a:r>
-              <a:rPr lang="en-US" dirty="0">
-                <a:hlinkClick r:id="rId4"/>
-              </a:rPr>
-              <a:t>https://github.com/NotMyself/GildedRose</a:t>
-            </a:r>
-            <a:r>
-              <a:rPr lang="en-US" dirty="0"/>
-              <a:t> </a:t>
-            </a:r>
-          </a:p>
-          <a:p>
-            <a:pPr>
+              <a:buClrTx/>
+              <a:buSzPct val="90000"/>
+              <a:buFont typeface="Wingdings" panose="05000000000000000000" pitchFamily="2" charset="2"/>
+              <a:buNone/>
+              <a:tabLst/>
+              <a:defRPr sz="2000" kern="1200" spc="0" baseline="0">
+                <a:gradFill>
+                  <a:gsLst>
+                    <a:gs pos="61049">
+                      <a:schemeClr val="tx1"/>
+                    </a:gs>
+                    <a:gs pos="43000">
+                      <a:schemeClr val="tx1"/>
+                    </a:gs>
+                  </a:gsLst>
+                  <a:lin ang="5400000" scaled="0"/>
+                </a:gradFill>
+                <a:latin typeface="Consolas" panose="020B0609020204030204" pitchFamily="49" charset="0"/>
+                <a:ea typeface="+mn-ea"/>
+                <a:cs typeface="Consolas" panose="020B0609020204030204" pitchFamily="49" charset="0"/>
+              </a:defRPr>
+            </a:lvl3pPr>
+            <a:lvl4pPr marL="814563" marR="0" indent="0" algn="l" defTabSz="932742" rtl="0" eaLnBrk="1" fontAlgn="auto" latinLnBrk="0" hangingPunct="1">
+              <a:lnSpc>
+                <a:spcPct val="100000"/>
+              </a:lnSpc>
+              <a:spcBef>
+                <a:spcPct val="20000"/>
+              </a:spcBef>
               <a:spcAft>
-                <a:spcPts val="2688"/>
+                <a:spcPts val="0"/>
               </a:spcAft>
-            </a:pPr>
-            <a:r>
-              <a:rPr lang="en-US" dirty="0"/>
-              <a:t>More katas: </a:t>
-            </a:r>
-            <a:r>
-              <a:rPr lang="en-US" dirty="0">
-                <a:hlinkClick r:id="rId5"/>
-              </a:rPr>
-              <a:t>https://kata-log.rocks/</a:t>
-            </a:r>
+              <a:buClrTx/>
+              <a:buSzPct val="90000"/>
+              <a:buFont typeface="Wingdings" panose="05000000000000000000" pitchFamily="2" charset="2"/>
+              <a:buNone/>
+              <a:tabLst/>
+              <a:defRPr sz="1800" kern="1200" spc="0" baseline="0">
+                <a:gradFill>
+                  <a:gsLst>
+                    <a:gs pos="61049">
+                      <a:schemeClr val="tx1"/>
+                    </a:gs>
+                    <a:gs pos="43000">
+                      <a:schemeClr val="tx1"/>
+                    </a:gs>
+                  </a:gsLst>
+                  <a:lin ang="5400000" scaled="0"/>
+                </a:gradFill>
+                <a:latin typeface="Consolas" panose="020B0609020204030204" pitchFamily="49" charset="0"/>
+                <a:ea typeface="+mn-ea"/>
+                <a:cs typeface="Consolas" panose="020B0609020204030204" pitchFamily="49" charset="0"/>
+              </a:defRPr>
+            </a:lvl4pPr>
+            <a:lvl5pPr marL="1050997" marR="0" indent="0" algn="l" defTabSz="932742" rtl="0" eaLnBrk="1" fontAlgn="auto" latinLnBrk="0" hangingPunct="1">
+              <a:lnSpc>
+                <a:spcPct val="100000"/>
+              </a:lnSpc>
+              <a:spcBef>
+                <a:spcPct val="20000"/>
+              </a:spcBef>
+              <a:spcAft>
+                <a:spcPts val="0"/>
+              </a:spcAft>
+              <a:buClrTx/>
+              <a:buSzPct val="90000"/>
+              <a:buFont typeface="Wingdings" panose="05000000000000000000" pitchFamily="2" charset="2"/>
+              <a:buNone/>
+              <a:tabLst/>
+              <a:defRPr sz="1800" kern="1200" spc="0" baseline="0">
+                <a:gradFill>
+                  <a:gsLst>
+                    <a:gs pos="61049">
+                      <a:schemeClr val="tx1"/>
+                    </a:gs>
+                    <a:gs pos="43000">
+                      <a:schemeClr val="tx1"/>
+                    </a:gs>
+                  </a:gsLst>
+                  <a:lin ang="5400000" scaled="0"/>
+                </a:gradFill>
+                <a:latin typeface="Consolas" panose="020B0609020204030204" pitchFamily="49" charset="0"/>
+                <a:ea typeface="+mn-ea"/>
+                <a:cs typeface="Consolas" panose="020B0609020204030204" pitchFamily="49" charset="0"/>
+              </a:defRPr>
+            </a:lvl5pPr>
+            <a:lvl6pPr marL="2565040" indent="-233186" algn="l" defTabSz="932742" rtl="0" eaLnBrk="1" latinLnBrk="0" hangingPunct="1">
+              <a:spcBef>
+                <a:spcPct val="20000"/>
+              </a:spcBef>
+              <a:buFont typeface="Arial" pitchFamily="34" charset="0"/>
+              <a:buChar char="•"/>
+              <a:defRPr sz="2000" kern="1200">
+                <a:solidFill>
+                  <a:schemeClr val="tx1"/>
+                </a:solidFill>
+                <a:latin typeface="+mn-lt"/>
+                <a:ea typeface="+mn-ea"/>
+                <a:cs typeface="+mn-cs"/>
+              </a:defRPr>
+            </a:lvl6pPr>
+            <a:lvl7pPr marL="3031412" indent="-233186" algn="l" defTabSz="932742" rtl="0" eaLnBrk="1" latinLnBrk="0" hangingPunct="1">
+              <a:spcBef>
+                <a:spcPct val="20000"/>
+              </a:spcBef>
+              <a:buFont typeface="Arial" pitchFamily="34" charset="0"/>
+              <a:buChar char="•"/>
+              <a:defRPr sz="2000" kern="1200">
+                <a:solidFill>
+                  <a:schemeClr val="tx1"/>
+                </a:solidFill>
+                <a:latin typeface="+mn-lt"/>
+                <a:ea typeface="+mn-ea"/>
+                <a:cs typeface="+mn-cs"/>
+              </a:defRPr>
+            </a:lvl7pPr>
+            <a:lvl8pPr marL="3497783" indent="-233186" algn="l" defTabSz="932742" rtl="0" eaLnBrk="1" latinLnBrk="0" hangingPunct="1">
+              <a:spcBef>
+                <a:spcPct val="20000"/>
+              </a:spcBef>
+              <a:buFont typeface="Arial" pitchFamily="34" charset="0"/>
+              <a:buChar char="•"/>
+              <a:defRPr sz="2000" kern="1200">
+                <a:solidFill>
+                  <a:schemeClr val="tx1"/>
+                </a:solidFill>
+                <a:latin typeface="+mn-lt"/>
+                <a:ea typeface="+mn-ea"/>
+                <a:cs typeface="+mn-cs"/>
+              </a:defRPr>
+            </a:lvl8pPr>
+            <a:lvl9pPr marL="3964155" indent="-233186" algn="l" defTabSz="932742" rtl="0" eaLnBrk="1" latinLnBrk="0" hangingPunct="1">
+              <a:spcBef>
+                <a:spcPct val="20000"/>
+              </a:spcBef>
+              <a:buFont typeface="Arial" pitchFamily="34" charset="0"/>
+              <a:buChar char="•"/>
+              <a:defRPr sz="2000" kern="1200">
+                <a:solidFill>
+                  <a:schemeClr val="tx1"/>
+                </a:solidFill>
+                <a:latin typeface="+mn-lt"/>
+                <a:ea typeface="+mn-ea"/>
+                <a:cs typeface="+mn-cs"/>
+              </a:defRPr>
+            </a:lvl9pPr>
+          </a:lstStyle>
+          <a:p>
+            <a:r>
+              <a:rPr lang="en-US"/>
+              <a:t>dotnet watch test /p:CollectCoverage=true</a:t>
+            </a:r>
+          </a:p>
+          <a:p>
             <a:endParaRPr lang="en-US" dirty="0"/>
           </a:p>
         </p:txBody>
@@ -20808,7 +21160,7 @@
     </p:spTree>
     <p:extLst>
       <p:ext uri="{BB962C8B-B14F-4D97-AF65-F5344CB8AC3E}">
-        <p14:creationId xmlns:p14="http://schemas.microsoft.com/office/powerpoint/2010/main" val="1393262829"/>
+        <p14:creationId xmlns:p14="http://schemas.microsoft.com/office/powerpoint/2010/main" val="581262681"/>
       </p:ext>
     </p:extLst>
   </p:cSld>
@@ -21974,12 +22326,11 @@
 </file>
 
 <file path=customXml/item1.xml><?xml version="1.0" encoding="utf-8"?>
-<?mso-contentType ?>
-<FormTemplates xmlns="http://schemas.microsoft.com/sharepoint/v3/contenttype/forms">
-  <Display>DocumentLibraryForm</Display>
-  <Edit>DocumentLibraryForm</Edit>
-  <New>DocumentLibraryForm</New>
-</FormTemplates>
+<p:properties xmlns:p="http://schemas.microsoft.com/office/2006/metadata/properties" xmlns:xsi="http://www.w3.org/2001/XMLSchema-instance" xmlns:pc="http://schemas.microsoft.com/office/infopath/2007/PartnerControls">
+  <documentManagement>
+    <MediaServiceKeyPoints xmlns="965de625-df5b-42e9-a277-2113da4f1195" xsi:nil="true"/>
+  </documentManagement>
+</p:properties>
 </file>
 
 <file path=customXml/item2.xml><?xml version="1.0" encoding="utf-8"?>
@@ -22214,17 +22565,29 @@
 </file>
 
 <file path=customXml/item3.xml><?xml version="1.0" encoding="utf-8"?>
-<p:properties xmlns:p="http://schemas.microsoft.com/office/2006/metadata/properties" xmlns:xsi="http://www.w3.org/2001/XMLSchema-instance" xmlns:pc="http://schemas.microsoft.com/office/infopath/2007/PartnerControls">
-  <documentManagement>
-    <MediaServiceKeyPoints xmlns="965de625-df5b-42e9-a277-2113da4f1195" xsi:nil="true"/>
-  </documentManagement>
-</p:properties>
+<?mso-contentType ?>
+<FormTemplates xmlns="http://schemas.microsoft.com/sharepoint/v3/contenttype/forms">
+  <Display>DocumentLibraryForm</Display>
+  <Edit>DocumentLibraryForm</Edit>
+  <New>DocumentLibraryForm</New>
+</FormTemplates>
 </file>
 
 <file path=customXml/itemProps1.xml><?xml version="1.0" encoding="utf-8"?>
-<ds:datastoreItem xmlns:ds="http://schemas.openxmlformats.org/officeDocument/2006/customXml" ds:itemID="{758FDAC0-319D-4A54-8D8E-1D42CB1F8004}">
+<ds:datastoreItem xmlns:ds="http://schemas.openxmlformats.org/officeDocument/2006/customXml" ds:itemID="{F990F116-B58F-4255-B05B-DA3808E0E5C6}">
   <ds:schemaRefs>
-    <ds:schemaRef ds:uri="http://schemas.microsoft.com/sharepoint/v3/contenttype/forms"/>
+    <ds:schemaRef ds:uri="http://purl.org/dc/elements/1.1/"/>
+    <ds:schemaRef ds:uri="http://schemas.microsoft.com/office/2006/metadata/properties"/>
+    <ds:schemaRef ds:uri="e4aa919a-b200-49cb-beca-4c7e0810321e"/>
+    <ds:schemaRef ds:uri="06670dda-0291-4061-b6e0-f6c0cb392c51"/>
+    <ds:schemaRef ds:uri="http://schemas.microsoft.com/office/2006/documentManagement/types"/>
+    <ds:schemaRef ds:uri="http://schemas.microsoft.com/office/infopath/2007/PartnerControls"/>
+    <ds:schemaRef ds:uri="http://purl.org/dc/dcmitype/"/>
+    <ds:schemaRef ds:uri="http://schemas.microsoft.com/sharepoint/v3"/>
+    <ds:schemaRef ds:uri="http://schemas.openxmlformats.org/package/2006/metadata/core-properties"/>
+    <ds:schemaRef ds:uri="http://www.w3.org/XML/1998/namespace"/>
+    <ds:schemaRef ds:uri="http://purl.org/dc/terms/"/>
+    <ds:schemaRef ds:uri="965de625-df5b-42e9-a277-2113da4f1195"/>
   </ds:schemaRefs>
 </ds:datastoreItem>
 </file>
@@ -22249,20 +22612,9 @@
 </file>
 
 <file path=customXml/itemProps3.xml><?xml version="1.0" encoding="utf-8"?>
-<ds:datastoreItem xmlns:ds="http://schemas.openxmlformats.org/officeDocument/2006/customXml" ds:itemID="{F990F116-B58F-4255-B05B-DA3808E0E5C6}">
+<ds:datastoreItem xmlns:ds="http://schemas.openxmlformats.org/officeDocument/2006/customXml" ds:itemID="{758FDAC0-319D-4A54-8D8E-1D42CB1F8004}">
   <ds:schemaRefs>
-    <ds:schemaRef ds:uri="http://purl.org/dc/elements/1.1/"/>
-    <ds:schemaRef ds:uri="http://schemas.microsoft.com/office/2006/metadata/properties"/>
-    <ds:schemaRef ds:uri="e4aa919a-b200-49cb-beca-4c7e0810321e"/>
-    <ds:schemaRef ds:uri="06670dda-0291-4061-b6e0-f6c0cb392c51"/>
-    <ds:schemaRef ds:uri="http://schemas.microsoft.com/office/2006/documentManagement/types"/>
-    <ds:schemaRef ds:uri="http://schemas.microsoft.com/office/infopath/2007/PartnerControls"/>
-    <ds:schemaRef ds:uri="http://purl.org/dc/dcmitype/"/>
-    <ds:schemaRef ds:uri="http://schemas.microsoft.com/sharepoint/v3"/>
-    <ds:schemaRef ds:uri="http://schemas.openxmlformats.org/package/2006/metadata/core-properties"/>
-    <ds:schemaRef ds:uri="http://www.w3.org/XML/1998/namespace"/>
-    <ds:schemaRef ds:uri="http://purl.org/dc/terms/"/>
-    <ds:schemaRef ds:uri="965de625-df5b-42e9-a277-2113da4f1195"/>
+    <ds:schemaRef ds:uri="http://schemas.microsoft.com/sharepoint/v3/contenttype/forms"/>
   </ds:schemaRefs>
 </ds:datastoreItem>
 </file>